--- a/Презентация  Project 13.pptx
+++ b/Презентация  Project 13.pptx
@@ -6137,8 +6137,8 @@
               <a:t>Расчёт факториала и </a:t>
             </a:r>
             <a:r>
-              <a:rPr lang="ru-RU" dirty="0" err="1" smtClean="0"/>
-              <a:t>последованности</a:t>
+              <a:rPr lang="ru-RU" smtClean="0"/>
+              <a:t>последованости</a:t>
             </a:r>
             <a:r>
               <a:rPr lang="ru-RU" dirty="0" smtClean="0"/>
@@ -7383,13 +7383,13 @@
   <p:clrMapOvr>
     <a:masterClrMapping/>
   </p:clrMapOvr>
-  <mc:AlternateContent xmlns:mc="http://schemas.openxmlformats.org/markup-compatibility/2006">
-    <mc:Choice xmlns:p14="http://schemas.microsoft.com/office/powerpoint/2010/main" Requires="p14">
+  <mc:AlternateContent xmlns:mc="http://schemas.openxmlformats.org/markup-compatibility/2006" xmlns:p14="http://schemas.microsoft.com/office/powerpoint/2010/main">
+    <mc:Choice Requires="p14">
       <p:transition spd="slow" p14:dur="2000">
         <p14:ferris dir="l"/>
       </p:transition>
     </mc:Choice>
-    <mc:Fallback>
+    <mc:Fallback xmlns="">
       <p:transition spd="slow">
         <p:fade/>
       </p:transition>

--- a/Презентация  Project 13.pptx
+++ b/Презентация  Project 13.pptx
@@ -113,6 +113,32 @@
     </p:ext>
   </p:extLst>
 </p:presentation>
+</file>
+
+<file path=ppt/commentAuthors.xml><?xml version="1.0" encoding="utf-8"?>
+<p:cmAuthorLst xmlns:a="http://schemas.openxmlformats.org/drawingml/2006/main" xmlns:r="http://schemas.openxmlformats.org/officeDocument/2006/relationships" xmlns:p="http://schemas.openxmlformats.org/presentationml/2006/main">
+  <p:cmAuthor id="1" name="Daniel Soloshenko" initials="DS" lastIdx="1" clrIdx="0">
+    <p:extLst>
+      <p:ext uri="{19B8F6BF-5375-455C-9EA6-DF929625EA0E}">
+        <p15:presenceInfo xmlns:p15="http://schemas.microsoft.com/office/powerpoint/2012/main" userId="0e4db707f97168a1" providerId="Windows Live"/>
+      </p:ext>
+    </p:extLst>
+  </p:cmAuthor>
+</p:cmAuthorLst>
+</file>
+
+<file path=ppt/comments/comment1.xml><?xml version="1.0" encoding="utf-8"?>
+<p:cmLst xmlns:a="http://schemas.openxmlformats.org/drawingml/2006/main" xmlns:r="http://schemas.openxmlformats.org/officeDocument/2006/relationships" xmlns:p="http://schemas.openxmlformats.org/presentationml/2006/main">
+  <p:cm authorId="1" dt="2016-04-17T23:47:54.190" idx="1">
+    <p:pos x="10" y="10"/>
+    <p:text/>
+    <p:extLst>
+      <p:ext uri="{C676402C-5697-4E1C-873F-D02D1690AC5C}">
+        <p15:threadingInfo xmlns:p15="http://schemas.microsoft.com/office/powerpoint/2012/main" timeZoneBias="-180"/>
+      </p:ext>
+    </p:extLst>
+  </p:cm>
+</p:cmLst>
 </file>
 
 <file path=ppt/slideLayouts/slideLayout1.xml><?xml version="1.0" encoding="utf-8"?>
@@ -6233,22 +6259,32 @@
         <p:spPr>
           <a:xfrm>
             <a:off x="2720356" y="1376413"/>
-            <a:ext cx="9195720" cy="5390147"/>
+            <a:ext cx="3506273" cy="5390147"/>
           </a:xfrm>
         </p:spPr>
         <p:txBody>
           <a:bodyPr>
-            <a:normAutofit lnSpcReduction="10000"/>
+            <a:normAutofit fontScale="92500" lnSpcReduction="20000"/>
           </a:bodyPr>
           <a:lstStyle/>
           <a:p>
+            <a:endParaRPr lang="ru-RU" dirty="0" smtClean="0"/>
+          </a:p>
+          <a:p>
             <a:r>
               <a:rPr lang="ru-RU" dirty="0" smtClean="0"/>
-              <a:t>Даниил Солошенко</a:t>
+              <a:t>Даниил </a:t>
+            </a:r>
+            <a:r>
+              <a:rPr lang="ru-RU" dirty="0" smtClean="0"/>
+              <a:t>Солошенко</a:t>
             </a:r>
           </a:p>
           <a:p>
             <a:endParaRPr lang="ru-RU" dirty="0"/>
+          </a:p>
+          <a:p>
+            <a:endParaRPr lang="ru-RU" dirty="0" smtClean="0"/>
           </a:p>
           <a:p>
             <a:endParaRPr lang="ru-RU" dirty="0" smtClean="0"/>
@@ -6271,10 +6307,20 @@
             <a:endParaRPr lang="ru-RU" dirty="0" smtClean="0"/>
           </a:p>
           <a:p>
+            <a:endParaRPr lang="ru-RU" dirty="0" smtClean="0"/>
+          </a:p>
+          <a:p>
             <a:r>
               <a:rPr lang="ru-RU" dirty="0" smtClean="0"/>
-              <a:t>Алексей Хрущёв </a:t>
-            </a:r>
+              <a:t>Алексей </a:t>
+            </a:r>
+            <a:r>
+              <a:rPr lang="ru-RU" dirty="0" smtClean="0"/>
+              <a:t>Хрущёв </a:t>
+            </a:r>
+          </a:p>
+          <a:p>
+            <a:endParaRPr lang="uk-UA" dirty="0" smtClean="0"/>
           </a:p>
           <a:p>
             <a:endParaRPr lang="uk-UA" dirty="0" smtClean="0"/>
@@ -6303,20 +6349,19 @@
               <a:rPr lang="uk-UA" dirty="0" smtClean="0"/>
               <a:t> </a:t>
             </a:r>
+            <a:endParaRPr lang="uk-UA" dirty="0" smtClean="0"/>
+          </a:p>
+          <a:p>
+            <a:endParaRPr lang="ru-RU" dirty="0"/>
+          </a:p>
+          <a:p>
+            <a:pPr marL="0" indent="0">
+              <a:buNone/>
+            </a:pPr>
             <a:endParaRPr lang="ru-RU" dirty="0" smtClean="0"/>
           </a:p>
           <a:p>
             <a:endParaRPr lang="ru-RU" dirty="0" smtClean="0"/>
-          </a:p>
-          <a:p>
-            <a:endParaRPr lang="ru-RU" dirty="0" smtClean="0"/>
-          </a:p>
-          <a:p>
-            <a:r>
-              <a:rPr lang="ru-RU" dirty="0" smtClean="0"/>
-              <a:t>Дмитрий Мельниченко</a:t>
-            </a:r>
-            <a:endParaRPr lang="uk-UA" dirty="0"/>
           </a:p>
         </p:txBody>
       </p:sp>
@@ -6342,18 +6387,19 @@
         </p:blipFill>
         <p:spPr>
           <a:xfrm>
-            <a:off x="1732547" y="2316046"/>
+            <a:off x="1732545" y="2829559"/>
             <a:ext cx="987807" cy="987807"/>
           </a:xfrm>
           <a:prstGeom prst="rect">
             <a:avLst/>
           </a:prstGeom>
           <a:effectLst>
-            <a:outerShdw blurRad="50800" dist="38100" dir="5400000" algn="t" rotWithShape="0">
+            <a:outerShdw blurRad="50800" dist="38100" dir="2700000" algn="tl" rotWithShape="0">
               <a:prstClr val="black">
                 <a:alpha val="40000"/>
               </a:prstClr>
             </a:outerShdw>
+            <a:reflection blurRad="63500" stA="22000" endPos="34000" dir="5400000" sy="-100000" algn="bl" rotWithShape="0"/>
           </a:effectLst>
         </p:spPr>
       </p:pic>
@@ -6379,12 +6425,20 @@
         </p:blipFill>
         <p:spPr>
           <a:xfrm>
-            <a:off x="2017334" y="3485839"/>
+            <a:off x="2017333" y="4279214"/>
             <a:ext cx="703021" cy="937360"/>
           </a:xfrm>
           <a:prstGeom prst="rect">
             <a:avLst/>
           </a:prstGeom>
+          <a:effectLst>
+            <a:outerShdw blurRad="50800" dist="38100" dir="2700000" algn="tl" rotWithShape="0">
+              <a:prstClr val="black">
+                <a:alpha val="40000"/>
+              </a:prstClr>
+            </a:outerShdw>
+            <a:reflection blurRad="63500" stA="22000" endPos="34000" dir="5400000" sy="-100000" algn="bl" rotWithShape="0"/>
+          </a:effectLst>
         </p:spPr>
       </p:pic>
       <p:pic>
@@ -6409,12 +6463,20 @@
         </p:blipFill>
         <p:spPr>
           <a:xfrm>
-            <a:off x="1732547" y="4754459"/>
+            <a:off x="1732546" y="5729819"/>
             <a:ext cx="987807" cy="974518"/>
           </a:xfrm>
           <a:prstGeom prst="rect">
             <a:avLst/>
           </a:prstGeom>
+          <a:effectLst>
+            <a:outerShdw blurRad="50800" dist="38100" dir="2700000" algn="tl" rotWithShape="0">
+              <a:prstClr val="black">
+                <a:alpha val="40000"/>
+              </a:prstClr>
+            </a:outerShdw>
+            <a:reflection blurRad="63500" stA="22000" endPos="34000" dir="5400000" sy="-100000" algn="bl" rotWithShape="0"/>
+          </a:effectLst>
         </p:spPr>
       </p:pic>
       <p:pic>
@@ -6439,12 +6501,92 @@
         </p:blipFill>
         <p:spPr>
           <a:xfrm>
-            <a:off x="1828800" y="1177753"/>
+            <a:off x="1828800" y="1449849"/>
             <a:ext cx="891554" cy="891554"/>
           </a:xfrm>
           <a:prstGeom prst="rect">
             <a:avLst/>
           </a:prstGeom>
+          <a:effectLst>
+            <a:outerShdw blurRad="50800" dist="38100" dir="2700000" algn="tl" rotWithShape="0">
+              <a:prstClr val="black">
+                <a:alpha val="40000"/>
+              </a:prstClr>
+            </a:outerShdw>
+            <a:reflection blurRad="63500" stA="22000" endPos="34000" dir="5400000" sy="-100000" algn="bl" rotWithShape="0"/>
+          </a:effectLst>
+        </p:spPr>
+      </p:pic>
+      <p:sp>
+        <p:nvSpPr>
+          <p:cNvPr id="11" name="TextBox 10"/>
+          <p:cNvSpPr txBox="1"/>
+          <p:nvPr/>
+        </p:nvSpPr>
+        <p:spPr>
+          <a:xfrm>
+            <a:off x="7933509" y="3555756"/>
+            <a:ext cx="4040777" cy="523220"/>
+          </a:xfrm>
+          <a:prstGeom prst="rect">
+            <a:avLst/>
+          </a:prstGeom>
+          <a:noFill/>
+        </p:spPr>
+        <p:txBody>
+          <a:bodyPr wrap="square" rtlCol="0">
+            <a:spAutoFit/>
+          </a:bodyPr>
+          <a:lstStyle/>
+          <a:p>
+            <a:pPr marL="285750" indent="-285750">
+              <a:buFont typeface="Wingdings" panose="05000000000000000000" pitchFamily="2" charset="2"/>
+              <a:buChar char="Ø"/>
+            </a:pPr>
+            <a:r>
+              <a:rPr lang="ru-RU" sz="2800" dirty="0" smtClean="0"/>
+              <a:t>Андрей Кузьменко</a:t>
+            </a:r>
+            <a:endParaRPr lang="uk-UA" sz="2800" dirty="0"/>
+          </a:p>
+        </p:txBody>
+      </p:sp>
+      <p:pic>
+        <p:nvPicPr>
+          <p:cNvPr id="12" name="Рисунок 11"/>
+          <p:cNvPicPr>
+            <a:picLocks noChangeAspect="1"/>
+          </p:cNvPicPr>
+          <p:nvPr/>
+        </p:nvPicPr>
+        <p:blipFill>
+          <a:blip r:embed="rId6" cstate="print">
+            <a:extLst>
+              <a:ext uri="{28A0092B-C50C-407E-A947-70E740481C1C}">
+                <a14:useLocalDpi xmlns:a14="http://schemas.microsoft.com/office/drawing/2010/main" val="0"/>
+              </a:ext>
+            </a:extLst>
+          </a:blip>
+          <a:stretch>
+            <a:fillRect/>
+          </a:stretch>
+        </p:blipFill>
+        <p:spPr>
+          <a:xfrm>
+            <a:off x="6905594" y="3303408"/>
+            <a:ext cx="1027915" cy="1027915"/>
+          </a:xfrm>
+          <a:prstGeom prst="rect">
+            <a:avLst/>
+          </a:prstGeom>
+          <a:effectLst>
+            <a:outerShdw blurRad="50800" dist="38100" dir="2700000" algn="tl" rotWithShape="0">
+              <a:prstClr val="black">
+                <a:alpha val="40000"/>
+              </a:prstClr>
+            </a:outerShdw>
+            <a:reflection blurRad="317500" stA="65000" endPos="49000" dir="5400000" sy="-100000" algn="bl" rotWithShape="0"/>
+          </a:effectLst>
         </p:spPr>
       </p:pic>
     </p:spTree>
@@ -6505,7 +6647,7 @@
                                         <p:tgtEl>
                                           <p:spTgt spid="3">
                                             <p:txEl>
-                                              <p:pRg st="0" end="0"/>
+                                              <p:pRg st="1" end="1"/>
                                             </p:txEl>
                                           </p:spTgt>
                                         </p:tgtEl>
@@ -6523,7 +6665,7 @@
                                         <p:tgtEl>
                                           <p:spTgt spid="3">
                                             <p:txEl>
-                                              <p:pRg st="0" end="0"/>
+                                              <p:pRg st="1" end="1"/>
                                             </p:txEl>
                                           </p:spTgt>
                                         </p:tgtEl>
@@ -6649,7 +6791,7 @@
                                         <p:tgtEl>
                                           <p:spTgt spid="3">
                                             <p:txEl>
-                                              <p:pRg st="3" end="3"/>
+                                              <p:pRg st="5" end="5"/>
                                             </p:txEl>
                                           </p:spTgt>
                                         </p:tgtEl>
@@ -6667,7 +6809,7 @@
                                         <p:tgtEl>
                                           <p:spTgt spid="3">
                                             <p:txEl>
-                                              <p:pRg st="3" end="3"/>
+                                              <p:pRg st="5" end="5"/>
                                             </p:txEl>
                                           </p:spTgt>
                                         </p:tgtEl>
@@ -6793,7 +6935,7 @@
                                         <p:tgtEl>
                                           <p:spTgt spid="3">
                                             <p:txEl>
-                                              <p:pRg st="6" end="6"/>
+                                              <p:pRg st="9" end="9"/>
                                             </p:txEl>
                                           </p:spTgt>
                                         </p:tgtEl>
@@ -6811,7 +6953,7 @@
                                         <p:tgtEl>
                                           <p:spTgt spid="3">
                                             <p:txEl>
-                                              <p:pRg st="6" end="6"/>
+                                              <p:pRg st="9" end="9"/>
                                             </p:txEl>
                                           </p:spTgt>
                                         </p:tgtEl>
@@ -6937,7 +7079,7 @@
                                         <p:tgtEl>
                                           <p:spTgt spid="3">
                                             <p:txEl>
-                                              <p:pRg st="9" end="9"/>
+                                              <p:pRg st="13" end="13"/>
                                             </p:txEl>
                                           </p:spTgt>
                                         </p:tgtEl>
@@ -6955,7 +7097,7 @@
                                         <p:tgtEl>
                                           <p:spTgt spid="3">
                                             <p:txEl>
-                                              <p:pRg st="9" end="9"/>
+                                              <p:pRg st="13" end="13"/>
                                             </p:txEl>
                                           </p:spTgt>
                                         </p:tgtEl>
@@ -7079,9 +7221,9 @@
                                           </p:stCondLst>
                                         </p:cTn>
                                         <p:tgtEl>
-                                          <p:spTgt spid="3">
+                                          <p:spTgt spid="11">
                                             <p:txEl>
-                                              <p:pRg st="12" end="12"/>
+                                              <p:pRg st="0" end="0"/>
                                             </p:txEl>
                                           </p:spTgt>
                                         </p:tgtEl>
@@ -7097,11 +7239,94 @@
                                       <p:cBhvr>
                                         <p:cTn id="55" dur="500"/>
                                         <p:tgtEl>
-                                          <p:spTgt spid="3">
+                                          <p:spTgt spid="11">
                                             <p:txEl>
-                                              <p:pRg st="12" end="12"/>
+                                              <p:pRg st="0" end="0"/>
                                             </p:txEl>
                                           </p:spTgt>
+                                        </p:tgtEl>
+                                      </p:cBhvr>
+                                    </p:animEffect>
+                                  </p:childTnLst>
+                                </p:cTn>
+                              </p:par>
+                            </p:childTnLst>
+                          </p:cTn>
+                        </p:par>
+                      </p:childTnLst>
+                    </p:cTn>
+                  </p:par>
+                  <p:par>
+                    <p:cTn id="56" fill="hold">
+                      <p:stCondLst>
+                        <p:cond delay="indefinite"/>
+                      </p:stCondLst>
+                      <p:childTnLst>
+                        <p:par>
+                          <p:cTn id="57" fill="hold">
+                            <p:stCondLst>
+                              <p:cond delay="0"/>
+                            </p:stCondLst>
+                            <p:childTnLst>
+                              <p:par>
+                                <p:cTn id="58" presetID="52" presetClass="entr" presetSubtype="0" fill="hold" nodeType="clickEffect">
+                                  <p:stCondLst>
+                                    <p:cond delay="0"/>
+                                  </p:stCondLst>
+                                  <p:childTnLst>
+                                    <p:set>
+                                      <p:cBhvr>
+                                        <p:cTn id="59" dur="1" fill="hold">
+                                          <p:stCondLst>
+                                            <p:cond delay="0"/>
+                                          </p:stCondLst>
+                                        </p:cTn>
+                                        <p:tgtEl>
+                                          <p:spTgt spid="12"/>
+                                        </p:tgtEl>
+                                        <p:attrNameLst>
+                                          <p:attrName>style.visibility</p:attrName>
+                                        </p:attrNameLst>
+                                      </p:cBhvr>
+                                      <p:to>
+                                        <p:strVal val="visible"/>
+                                      </p:to>
+                                    </p:set>
+                                    <p:animScale>
+                                      <p:cBhvr>
+                                        <p:cTn id="60" dur="1000" decel="50000" fill="hold">
+                                          <p:stCondLst>
+                                            <p:cond delay="0"/>
+                                          </p:stCondLst>
+                                        </p:cTn>
+                                        <p:tgtEl>
+                                          <p:spTgt spid="12"/>
+                                        </p:tgtEl>
+                                      </p:cBhvr>
+                                      <p:from x="250000" y="250000"/>
+                                      <p:to x="100000" y="100000"/>
+                                    </p:animScale>
+                                    <p:animMotion origin="layout" path="M -0.46736 0.92887  C -0.37517 0.88508  -0.02552 0.75279  0.0908 0.66613  C  0.20747 0.57948  0.21649 0.50394  0.23177 0.40825  C 0.24705 0.31256  0.22118 0.15964   0.18264 0.09152  C 0.1441 0.02341  0.03802 0.0  0.0 0.0  " pathEditMode="relative" ptsTypes="">
+                                      <p:cBhvr>
+                                        <p:cTn id="61" dur="1000" decel="50000" fill="hold">
+                                          <p:stCondLst>
+                                            <p:cond delay="0"/>
+                                          </p:stCondLst>
+                                        </p:cTn>
+                                        <p:tgtEl>
+                                          <p:spTgt spid="12"/>
+                                        </p:tgtEl>
+                                        <p:attrNameLst>
+                                          <p:attrName>ppt_x</p:attrName>
+                                          <p:attrName>ppt_y</p:attrName>
+                                        </p:attrNameLst>
+                                      </p:cBhvr>
+                                    </p:animMotion>
+                                    <p:animEffect transition="in" filter="fade">
+                                      <p:cBhvr>
+                                        <p:cTn id="62" dur="1000"/>
+                                        <p:tgtEl>
+                                          <p:spTgt spid="12"/>
                                         </p:tgtEl>
                                       </p:cBhvr>
                                     </p:animEffect>
